--- a/CLass 17  Slides.pptx
+++ b/CLass 17  Slides.pptx
@@ -5622,14 +5622,14 @@
               <a:defRPr/>
             </a:pPr>
             <a:r>
-              <a:rPr lang="en-AU" sz="2000" dirty="0" err="1">
+              <a:rPr lang="en-AU" sz="2000">
                 <a:solidFill>
                   <a:srgbClr val="2D2D8A"/>
                 </a:solidFill>
                 <a:latin typeface="+mn-lt"/>
                 <a:ea typeface="+mn-ea"/>
               </a:rPr>
-              <a:t>Tuesady</a:t>
+              <a:t>Tuesday</a:t>
             </a:r>
             <a:r>
               <a:rPr lang="en-AU" sz="2000" dirty="0">
